--- a/src/test/resources/test.pptx
+++ b/src/test/resources/test.pptx
@@ -368,7 +368,7 @@
           <a:p>
             <a:fld id="{7F49D355-16BD-4E45-BD9A-5EA878CF7CBD}" type="datetimeFigureOut">
               <a:rPr lang="it-IT" smtClean="0"/>
-              <a:t>02/03/2018</a:t>
+              <a:t>06/03/2018</a:t>
             </a:fld>
             <a:endParaRPr lang="it-IT"/>
           </a:p>
@@ -533,7 +533,7 @@
           <a:p>
             <a:fld id="{7F49D355-16BD-4E45-BD9A-5EA878CF7CBD}" type="datetimeFigureOut">
               <a:rPr lang="it-IT" smtClean="0"/>
-              <a:t>02/03/2018</a:t>
+              <a:t>06/03/2018</a:t>
             </a:fld>
             <a:endParaRPr lang="it-IT"/>
           </a:p>
@@ -708,7 +708,7 @@
           <a:p>
             <a:fld id="{7F49D355-16BD-4E45-BD9A-5EA878CF7CBD}" type="datetimeFigureOut">
               <a:rPr lang="it-IT" smtClean="0"/>
-              <a:t>02/03/2018</a:t>
+              <a:t>06/03/2018</a:t>
             </a:fld>
             <a:endParaRPr lang="it-IT"/>
           </a:p>
@@ -873,7 +873,7 @@
           <a:p>
             <a:fld id="{7F49D355-16BD-4E45-BD9A-5EA878CF7CBD}" type="datetimeFigureOut">
               <a:rPr lang="it-IT" smtClean="0"/>
-              <a:t>02/03/2018</a:t>
+              <a:t>06/03/2018</a:t>
             </a:fld>
             <a:endParaRPr lang="it-IT"/>
           </a:p>
@@ -1114,7 +1114,7 @@
           <a:p>
             <a:fld id="{7F49D355-16BD-4E45-BD9A-5EA878CF7CBD}" type="datetimeFigureOut">
               <a:rPr lang="it-IT" smtClean="0"/>
-              <a:t>02/03/2018</a:t>
+              <a:t>06/03/2018</a:t>
             </a:fld>
             <a:endParaRPr lang="it-IT"/>
           </a:p>
@@ -1397,7 +1397,7 @@
           <a:p>
             <a:fld id="{7F49D355-16BD-4E45-BD9A-5EA878CF7CBD}" type="datetimeFigureOut">
               <a:rPr lang="it-IT" smtClean="0"/>
-              <a:t>02/03/2018</a:t>
+              <a:t>06/03/2018</a:t>
             </a:fld>
             <a:endParaRPr lang="it-IT"/>
           </a:p>
@@ -1814,7 +1814,7 @@
           <a:p>
             <a:fld id="{7F49D355-16BD-4E45-BD9A-5EA878CF7CBD}" type="datetimeFigureOut">
               <a:rPr lang="it-IT" smtClean="0"/>
-              <a:t>02/03/2018</a:t>
+              <a:t>06/03/2018</a:t>
             </a:fld>
             <a:endParaRPr lang="it-IT"/>
           </a:p>
@@ -1927,7 +1927,7 @@
           <a:p>
             <a:fld id="{7F49D355-16BD-4E45-BD9A-5EA878CF7CBD}" type="datetimeFigureOut">
               <a:rPr lang="it-IT" smtClean="0"/>
-              <a:t>02/03/2018</a:t>
+              <a:t>06/03/2018</a:t>
             </a:fld>
             <a:endParaRPr lang="it-IT"/>
           </a:p>
@@ -2017,7 +2017,7 @@
           <a:p>
             <a:fld id="{7F49D355-16BD-4E45-BD9A-5EA878CF7CBD}" type="datetimeFigureOut">
               <a:rPr lang="it-IT" smtClean="0"/>
-              <a:t>02/03/2018</a:t>
+              <a:t>06/03/2018</a:t>
             </a:fld>
             <a:endParaRPr lang="it-IT"/>
           </a:p>
@@ -2289,7 +2289,7 @@
           <a:p>
             <a:fld id="{7F49D355-16BD-4E45-BD9A-5EA878CF7CBD}" type="datetimeFigureOut">
               <a:rPr lang="it-IT" smtClean="0"/>
-              <a:t>02/03/2018</a:t>
+              <a:t>06/03/2018</a:t>
             </a:fld>
             <a:endParaRPr lang="it-IT"/>
           </a:p>
@@ -2537,7 +2537,7 @@
           <a:p>
             <a:fld id="{7F49D355-16BD-4E45-BD9A-5EA878CF7CBD}" type="datetimeFigureOut">
               <a:rPr lang="it-IT" smtClean="0"/>
-              <a:t>02/03/2018</a:t>
+              <a:t>06/03/2018</a:t>
             </a:fld>
             <a:endParaRPr lang="it-IT"/>
           </a:p>
@@ -2745,7 +2745,7 @@
           <a:p>
             <a:fld id="{7F49D355-16BD-4E45-BD9A-5EA878CF7CBD}" type="datetimeFigureOut">
               <a:rPr lang="it-IT" smtClean="0"/>
-              <a:t>02/03/2018</a:t>
+              <a:t>06/03/2018</a:t>
             </a:fld>
             <a:endParaRPr lang="it-IT"/>
           </a:p>
@@ -3131,8 +3131,8 @@
           <a:lstStyle/>
           <a:p>
             <a:r>
-              <a:rPr lang="it-IT" dirty="0" smtClean="0"/>
-              <a:t>Hello </a:t>
+              <a:rPr lang="it-IT" smtClean="0"/>
+              <a:t>    Hello </a:t>
             </a:r>
             <a:r>
               <a:rPr lang="it-IT" dirty="0" err="1" smtClean="0"/>
